--- a/브로콜미.pptx
+++ b/브로콜미.pptx
@@ -957,7 +957,7 @@
           <a:p>
             <a:fld id="{329BBFAB-46DA-410D-A1F9-7480681BC7BB}" type="datetimeFigureOut">
               <a:rPr lang="ko-KR" altLang="en-US" smtClean="0"/>
-              <a:t>2022-07-21</a:t>
+              <a:t>2022-07-22</a:t>
             </a:fld>
             <a:endParaRPr lang="ko-KR" altLang="en-US"/>
           </a:p>
@@ -2488,7 +2488,7 @@
                 </a:solidFill>
               </a:rPr>
               <a:pPr/>
-              <a:t>2022-07-21</a:t>
+              <a:t>2022-07-22</a:t>
             </a:fld>
             <a:endParaRPr lang="ko-KR" altLang="en-US">
               <a:solidFill>
@@ -2688,7 +2688,7 @@
                 </a:solidFill>
               </a:rPr>
               <a:pPr/>
-              <a:t>2022-07-21</a:t>
+              <a:t>2022-07-22</a:t>
             </a:fld>
             <a:endParaRPr lang="ko-KR" altLang="en-US">
               <a:solidFill>
@@ -2898,7 +2898,7 @@
                 </a:solidFill>
               </a:rPr>
               <a:pPr/>
-              <a:t>2022-07-21</a:t>
+              <a:t>2022-07-22</a:t>
             </a:fld>
             <a:endParaRPr lang="ko-KR" altLang="en-US">
               <a:solidFill>
@@ -3111,7 +3111,7 @@
                 </a:solidFill>
               </a:rPr>
               <a:pPr/>
-              <a:t>7/21/2022</a:t>
+              <a:t>7/22/2022</a:t>
             </a:fld>
             <a:endParaRPr lang="en-US">
               <a:solidFill>
@@ -3326,7 +3326,7 @@
                 </a:solidFill>
               </a:rPr>
               <a:pPr/>
-              <a:t>2022-07-21</a:t>
+              <a:t>2022-07-22</a:t>
             </a:fld>
             <a:endParaRPr lang="ko-KR" altLang="en-US">
               <a:solidFill>
@@ -3603,7 +3603,7 @@
                 </a:solidFill>
               </a:rPr>
               <a:pPr/>
-              <a:t>2022-07-21</a:t>
+              <a:t>2022-07-22</a:t>
             </a:fld>
             <a:endParaRPr lang="ko-KR" altLang="en-US">
               <a:solidFill>
@@ -3920,7 +3920,7 @@
                 </a:solidFill>
               </a:rPr>
               <a:pPr/>
-              <a:t>2022-07-21</a:t>
+              <a:t>2022-07-22</a:t>
             </a:fld>
             <a:endParaRPr lang="ko-KR" altLang="en-US">
               <a:solidFill>
@@ -4376,7 +4376,7 @@
                 </a:solidFill>
               </a:rPr>
               <a:pPr/>
-              <a:t>2022-07-21</a:t>
+              <a:t>2022-07-22</a:t>
             </a:fld>
             <a:endParaRPr lang="ko-KR" altLang="en-US">
               <a:solidFill>
@@ -4525,7 +4525,7 @@
                 </a:solidFill>
               </a:rPr>
               <a:pPr/>
-              <a:t>2022-07-21</a:t>
+              <a:t>2022-07-22</a:t>
             </a:fld>
             <a:endParaRPr lang="ko-KR" altLang="en-US">
               <a:solidFill>
@@ -4652,7 +4652,7 @@
                 </a:solidFill>
               </a:rPr>
               <a:pPr/>
-              <a:t>2022-07-21</a:t>
+              <a:t>2022-07-22</a:t>
             </a:fld>
             <a:endParaRPr lang="ko-KR" altLang="en-US">
               <a:solidFill>
@@ -4959,7 +4959,7 @@
                 </a:solidFill>
               </a:rPr>
               <a:pPr/>
-              <a:t>2022-07-21</a:t>
+              <a:t>2022-07-22</a:t>
             </a:fld>
             <a:endParaRPr lang="ko-KR" altLang="en-US">
               <a:solidFill>
@@ -5243,7 +5243,7 @@
                 </a:solidFill>
               </a:rPr>
               <a:pPr/>
-              <a:t>2022-07-21</a:t>
+              <a:t>2022-07-22</a:t>
             </a:fld>
             <a:endParaRPr lang="ko-KR" altLang="en-US">
               <a:solidFill>
@@ -5486,7 +5486,7 @@
                 </a:solidFill>
               </a:rPr>
               <a:pPr/>
-              <a:t>2022-07-21</a:t>
+              <a:t>2022-07-22</a:t>
             </a:fld>
             <a:endParaRPr lang="ko-KR" altLang="en-US">
               <a:solidFill>
@@ -12225,7 +12225,7 @@
           <p:nvPr/>
         </p:nvPicPr>
         <p:blipFill>
-          <a:blip r:embed="rId3">
+          <a:blip r:embed="rId3" cstate="print">
             <a:extLst>
               <a:ext uri="{28A0092B-C50C-407E-A947-70E740481C1C}">
                 <a14:useLocalDpi xmlns:a14="http://schemas.microsoft.com/office/drawing/2010/main" val="0"/>
@@ -12261,7 +12261,7 @@
           <p:nvPr/>
         </p:nvPicPr>
         <p:blipFill>
-          <a:blip r:embed="rId4">
+          <a:blip r:embed="rId4" cstate="print">
             <a:extLst>
               <a:ext uri="{28A0092B-C50C-407E-A947-70E740481C1C}">
                 <a14:useLocalDpi xmlns:a14="http://schemas.microsoft.com/office/drawing/2010/main" val="0"/>
@@ -12297,7 +12297,7 @@
           <p:nvPr/>
         </p:nvPicPr>
         <p:blipFill>
-          <a:blip r:embed="rId5">
+          <a:blip r:embed="rId5" cstate="print">
             <a:extLst>
               <a:ext uri="{28A0092B-C50C-407E-A947-70E740481C1C}">
                 <a14:useLocalDpi xmlns:a14="http://schemas.microsoft.com/office/drawing/2010/main" val="0"/>
@@ -12332,7 +12332,7 @@
         </p:nvSpPr>
         <p:spPr>
           <a:xfrm>
-            <a:off x="504976" y="4061574"/>
+            <a:off x="504976" y="3899098"/>
             <a:ext cx="7560840" cy="954107"/>
           </a:xfrm>
           <a:prstGeom prst="rect">
